--- a/doc/presentation/Presentazione_Progetti_di_Dipl.pptx
+++ b/doc/presentation/Presentazione_Progetti_di_Dipl.pptx
@@ -263,7 +263,7 @@
             <a:fld id="{EC9388A7-5429-7442-BD81-798B3F4B5BE0}" type="datetime1">
               <a:rPr lang="it-IT"/>
               <a:pPr/>
-              <a:t>16/03/2025</a:t>
+              <a:t>16/03/25</a:t>
             </a:fld>
             <a:endParaRPr lang="it-IT"/>
           </a:p>
@@ -514,14 +514,14 @@
           </a:ln>
           <a:extLst>
             <a:ext uri="{909E8E84-426E-40dd-AFC4-6F175D3DCCD1}">
-              <a14:hiddenFill xmlns="" xmlns:a14="http://schemas.microsoft.com/office/drawing/2010/main">
+              <a14:hiddenFill xmlns:a14="http://schemas.microsoft.com/office/drawing/2010/main" xmlns="">
                 <a:solidFill>
                   <a:srgbClr val="FFFFFF"/>
                 </a:solidFill>
               </a14:hiddenFill>
             </a:ext>
             <a:ext uri="{FAA26D3D-D897-4be2-8F04-BA451C77F1D7}">
-              <ma14:placeholderFlag xmlns="" xmlns:ma14="http://schemas.microsoft.com/office/mac/drawingml/2011/main" val="1"/>
+              <ma14:placeholderFlag xmlns:ma14="http://schemas.microsoft.com/office/mac/drawingml/2011/main" xmlns="" val="1"/>
             </a:ext>
           </a:extLst>
         </p:spPr>
@@ -6377,8 +6377,473 @@
           <a:bodyPr rtlCol="0" anchor="ctr"/>
           <a:lstStyle/>
           <a:p>
-            <a:pPr algn="ctr"/>
-            <a:endParaRPr lang="it-IT"/>
+            <a:endParaRPr lang="it-IT" sz="1600" dirty="0">
+              <a:solidFill>
+                <a:schemeClr val="tx1"/>
+              </a:solidFill>
+            </a:endParaRPr>
+          </a:p>
+          <a:p>
+            <a:r>
+              <a:rPr lang="it-IT" sz="1600" dirty="0">
+                <a:solidFill>
+                  <a:schemeClr val="tx1"/>
+                </a:solidFill>
+              </a:rPr>
+              <a:t>OPEN </a:t>
+            </a:r>
+            <a:r>
+              <a:rPr lang="it-IT" sz="1600" dirty="0" err="1">
+                <a:solidFill>
+                  <a:schemeClr val="tx1"/>
+                </a:solidFill>
+              </a:rPr>
+              <a:t>CSVReader</a:t>
+            </a:r>
+            <a:r>
+              <a:rPr lang="it-IT" sz="1600" dirty="0">
+                <a:solidFill>
+                  <a:schemeClr val="tx1"/>
+                </a:solidFill>
+              </a:rPr>
+              <a:t> with </a:t>
+            </a:r>
+            <a:r>
+              <a:rPr lang="it-IT" sz="1600" dirty="0" err="1">
+                <a:solidFill>
+                  <a:schemeClr val="tx1"/>
+                </a:solidFill>
+              </a:rPr>
+              <a:t>inputFile</a:t>
+            </a:r>
+            <a:endParaRPr lang="it-IT" sz="1600" dirty="0">
+              <a:solidFill>
+                <a:schemeClr val="tx1"/>
+              </a:solidFill>
+            </a:endParaRPr>
+          </a:p>
+          <a:p>
+            <a:r>
+              <a:rPr lang="it-IT" sz="1600" dirty="0">
+                <a:solidFill>
+                  <a:schemeClr val="tx1"/>
+                </a:solidFill>
+              </a:rPr>
+              <a:t>READ </a:t>
+            </a:r>
+            <a:r>
+              <a:rPr lang="it-IT" sz="1600" dirty="0" err="1">
+                <a:solidFill>
+                  <a:schemeClr val="tx1"/>
+                </a:solidFill>
+              </a:rPr>
+              <a:t>all</a:t>
+            </a:r>
+            <a:r>
+              <a:rPr lang="it-IT" sz="1600" dirty="0">
+                <a:solidFill>
+                  <a:schemeClr val="tx1"/>
+                </a:solidFill>
+              </a:rPr>
+              <a:t> </a:t>
+            </a:r>
+            <a:r>
+              <a:rPr lang="it-IT" sz="1600" dirty="0" err="1">
+                <a:solidFill>
+                  <a:schemeClr val="tx1"/>
+                </a:solidFill>
+              </a:rPr>
+              <a:t>records</a:t>
+            </a:r>
+            <a:r>
+              <a:rPr lang="it-IT" sz="1600" dirty="0">
+                <a:solidFill>
+                  <a:schemeClr val="tx1"/>
+                </a:solidFill>
+              </a:rPr>
+              <a:t> from CSV </a:t>
+            </a:r>
+            <a:r>
+              <a:rPr lang="it-IT" sz="1600" dirty="0" err="1">
+                <a:solidFill>
+                  <a:schemeClr val="tx1"/>
+                </a:solidFill>
+              </a:rPr>
+              <a:t>into</a:t>
+            </a:r>
+            <a:r>
+              <a:rPr lang="it-IT" sz="1600" dirty="0">
+                <a:solidFill>
+                  <a:schemeClr val="tx1"/>
+                </a:solidFill>
+              </a:rPr>
+              <a:t> a list</a:t>
+            </a:r>
+          </a:p>
+          <a:p>
+            <a:endParaRPr lang="it-IT" sz="1600" dirty="0">
+              <a:solidFill>
+                <a:schemeClr val="tx1"/>
+              </a:solidFill>
+            </a:endParaRPr>
+          </a:p>
+          <a:p>
+            <a:r>
+              <a:rPr lang="it-IT" sz="1600" dirty="0">
+                <a:solidFill>
+                  <a:schemeClr val="tx1"/>
+                </a:solidFill>
+              </a:rPr>
+              <a:t>FOR </a:t>
+            </a:r>
+            <a:r>
+              <a:rPr lang="it-IT" sz="1600" dirty="0" err="1">
+                <a:solidFill>
+                  <a:schemeClr val="tx1"/>
+                </a:solidFill>
+              </a:rPr>
+              <a:t>each</a:t>
+            </a:r>
+            <a:r>
+              <a:rPr lang="it-IT" sz="1600" dirty="0">
+                <a:solidFill>
+                  <a:schemeClr val="tx1"/>
+                </a:solidFill>
+              </a:rPr>
+              <a:t> record (</a:t>
+            </a:r>
+            <a:r>
+              <a:rPr lang="it-IT" sz="1600" dirty="0" err="1">
+                <a:solidFill>
+                  <a:schemeClr val="tx1"/>
+                </a:solidFill>
+              </a:rPr>
+              <a:t>skipping</a:t>
+            </a:r>
+            <a:r>
+              <a:rPr lang="it-IT" sz="1600" dirty="0">
+                <a:solidFill>
+                  <a:schemeClr val="tx1"/>
+                </a:solidFill>
+              </a:rPr>
+              <a:t> </a:t>
+            </a:r>
+            <a:r>
+              <a:rPr lang="it-IT" sz="1600" dirty="0" err="1">
+                <a:solidFill>
+                  <a:schemeClr val="tx1"/>
+                </a:solidFill>
+              </a:rPr>
+              <a:t>header</a:t>
+            </a:r>
+            <a:r>
+              <a:rPr lang="it-IT" sz="1600" dirty="0">
+                <a:solidFill>
+                  <a:schemeClr val="tx1"/>
+                </a:solidFill>
+              </a:rPr>
+              <a:t>)</a:t>
+            </a:r>
+          </a:p>
+          <a:p>
+            <a:endParaRPr lang="it-IT" sz="1600" dirty="0">
+              <a:solidFill>
+                <a:schemeClr val="tx1"/>
+              </a:solidFill>
+            </a:endParaRPr>
+          </a:p>
+          <a:p>
+            <a:r>
+              <a:rPr lang="it-IT" sz="1600" dirty="0">
+                <a:solidFill>
+                  <a:schemeClr val="tx1"/>
+                </a:solidFill>
+              </a:rPr>
+              <a:t>    SET </a:t>
+            </a:r>
+            <a:r>
+              <a:rPr lang="it-IT" sz="1600" dirty="0" err="1">
+                <a:solidFill>
+                  <a:schemeClr val="tx1"/>
+                </a:solidFill>
+              </a:rPr>
+              <a:t>row</a:t>
+            </a:r>
+            <a:r>
+              <a:rPr lang="it-IT" sz="1600" dirty="0">
+                <a:solidFill>
+                  <a:schemeClr val="tx1"/>
+                </a:solidFill>
+              </a:rPr>
+              <a:t> to </a:t>
+            </a:r>
+            <a:r>
+              <a:rPr lang="it-IT" sz="1600" dirty="0" err="1">
+                <a:solidFill>
+                  <a:schemeClr val="tx1"/>
+                </a:solidFill>
+              </a:rPr>
+              <a:t>current</a:t>
+            </a:r>
+            <a:r>
+              <a:rPr lang="it-IT" sz="1600" dirty="0">
+                <a:solidFill>
+                  <a:schemeClr val="tx1"/>
+                </a:solidFill>
+              </a:rPr>
+              <a:t> record</a:t>
+            </a:r>
+          </a:p>
+          <a:p>
+            <a:r>
+              <a:rPr lang="it-IT" sz="1600" dirty="0">
+                <a:solidFill>
+                  <a:schemeClr val="tx1"/>
+                </a:solidFill>
+              </a:rPr>
+              <a:t>    IF </a:t>
+            </a:r>
+            <a:r>
+              <a:rPr lang="it-IT" sz="1600" dirty="0" err="1">
+                <a:solidFill>
+                  <a:schemeClr val="tx1"/>
+                </a:solidFill>
+              </a:rPr>
+              <a:t>row</a:t>
+            </a:r>
+            <a:r>
+              <a:rPr lang="it-IT" sz="1600" dirty="0">
+                <a:solidFill>
+                  <a:schemeClr val="tx1"/>
+                </a:solidFill>
+              </a:rPr>
+              <a:t> </a:t>
+            </a:r>
+            <a:r>
+              <a:rPr lang="it-IT" sz="1600" dirty="0" err="1">
+                <a:solidFill>
+                  <a:schemeClr val="tx1"/>
+                </a:solidFill>
+              </a:rPr>
+              <a:t>has</a:t>
+            </a:r>
+            <a:r>
+              <a:rPr lang="it-IT" sz="1600" dirty="0">
+                <a:solidFill>
+                  <a:schemeClr val="tx1"/>
+                </a:solidFill>
+              </a:rPr>
+              <a:t> </a:t>
+            </a:r>
+            <a:r>
+              <a:rPr lang="it-IT" sz="1600" dirty="0" err="1">
+                <a:solidFill>
+                  <a:schemeClr val="tx1"/>
+                </a:solidFill>
+              </a:rPr>
+              <a:t>less</a:t>
+            </a:r>
+            <a:r>
+              <a:rPr lang="it-IT" sz="1600" dirty="0">
+                <a:solidFill>
+                  <a:schemeClr val="tx1"/>
+                </a:solidFill>
+              </a:rPr>
+              <a:t> </a:t>
+            </a:r>
+            <a:r>
+              <a:rPr lang="it-IT" sz="1600" dirty="0" err="1">
+                <a:solidFill>
+                  <a:schemeClr val="tx1"/>
+                </a:solidFill>
+              </a:rPr>
+              <a:t>than</a:t>
+            </a:r>
+            <a:r>
+              <a:rPr lang="it-IT" sz="1600" dirty="0">
+                <a:solidFill>
+                  <a:schemeClr val="tx1"/>
+                </a:solidFill>
+              </a:rPr>
+              <a:t> 14 </a:t>
+            </a:r>
+            <a:r>
+              <a:rPr lang="it-IT" sz="1600" dirty="0" err="1">
+                <a:solidFill>
+                  <a:schemeClr val="tx1"/>
+                </a:solidFill>
+              </a:rPr>
+              <a:t>columns</a:t>
+            </a:r>
+            <a:endParaRPr lang="it-IT" sz="1600" dirty="0">
+              <a:solidFill>
+                <a:schemeClr val="tx1"/>
+              </a:solidFill>
+            </a:endParaRPr>
+          </a:p>
+          <a:p>
+            <a:r>
+              <a:rPr lang="it-IT" sz="1600" dirty="0">
+                <a:solidFill>
+                  <a:schemeClr val="tx1"/>
+                </a:solidFill>
+              </a:rPr>
+              <a:t>        CONTINUE to </a:t>
+            </a:r>
+            <a:r>
+              <a:rPr lang="it-IT" sz="1600" dirty="0" err="1">
+                <a:solidFill>
+                  <a:schemeClr val="tx1"/>
+                </a:solidFill>
+              </a:rPr>
+              <a:t>next</a:t>
+            </a:r>
+            <a:r>
+              <a:rPr lang="it-IT" sz="1600" dirty="0">
+                <a:solidFill>
+                  <a:schemeClr val="tx1"/>
+                </a:solidFill>
+              </a:rPr>
+              <a:t> </a:t>
+            </a:r>
+            <a:r>
+              <a:rPr lang="it-IT" sz="1600" dirty="0" err="1">
+                <a:solidFill>
+                  <a:schemeClr val="tx1"/>
+                </a:solidFill>
+              </a:rPr>
+              <a:t>iteration</a:t>
+            </a:r>
+            <a:endParaRPr lang="it-IT" sz="1600" dirty="0">
+              <a:solidFill>
+                <a:schemeClr val="tx1"/>
+              </a:solidFill>
+            </a:endParaRPr>
+          </a:p>
+          <a:p>
+            <a:r>
+              <a:rPr lang="it-IT" sz="1600" dirty="0">
+                <a:solidFill>
+                  <a:schemeClr val="tx1"/>
+                </a:solidFill>
+              </a:rPr>
+              <a:t>    ELSE</a:t>
+            </a:r>
+          </a:p>
+          <a:p>
+            <a:r>
+              <a:rPr lang="it-IT" sz="1600" dirty="0">
+                <a:solidFill>
+                  <a:schemeClr val="tx1"/>
+                </a:solidFill>
+              </a:rPr>
+              <a:t>         EXTRACT </a:t>
+            </a:r>
+            <a:r>
+              <a:rPr lang="it-IT" sz="1600" dirty="0" err="1">
+                <a:solidFill>
+                  <a:schemeClr val="tx1"/>
+                </a:solidFill>
+              </a:rPr>
+              <a:t>values</a:t>
+            </a:r>
+            <a:r>
+              <a:rPr lang="it-IT" sz="1600" dirty="0">
+                <a:solidFill>
+                  <a:schemeClr val="tx1"/>
+                </a:solidFill>
+              </a:rPr>
+              <a:t> from </a:t>
+            </a:r>
+            <a:r>
+              <a:rPr lang="it-IT" sz="1600" dirty="0" err="1">
+                <a:solidFill>
+                  <a:schemeClr val="tx1"/>
+                </a:solidFill>
+              </a:rPr>
+              <a:t>row</a:t>
+            </a:r>
+            <a:r>
+              <a:rPr lang="it-IT" sz="1600" dirty="0">
+                <a:solidFill>
+                  <a:schemeClr val="tx1"/>
+                </a:solidFill>
+              </a:rPr>
+              <a:t>:</a:t>
+            </a:r>
+          </a:p>
+          <a:p>
+            <a:r>
+              <a:rPr lang="it-IT" sz="1600" dirty="0">
+                <a:solidFill>
+                  <a:schemeClr val="tx1"/>
+                </a:solidFill>
+              </a:rPr>
+              <a:t>         PARSE </a:t>
+            </a:r>
+            <a:r>
+              <a:rPr lang="it-IT" sz="1600" dirty="0" err="1">
+                <a:solidFill>
+                  <a:schemeClr val="tx1"/>
+                </a:solidFill>
+              </a:rPr>
+              <a:t>values</a:t>
+            </a:r>
+            <a:endParaRPr lang="it-IT" sz="1600" dirty="0">
+              <a:solidFill>
+                <a:schemeClr val="tx1"/>
+              </a:solidFill>
+            </a:endParaRPr>
+          </a:p>
+          <a:p>
+            <a:r>
+              <a:rPr lang="it-IT" sz="1600" dirty="0">
+                <a:solidFill>
+                  <a:schemeClr val="tx1"/>
+                </a:solidFill>
+              </a:rPr>
+              <a:t>         CREATE new Movie with </a:t>
+            </a:r>
+            <a:r>
+              <a:rPr lang="it-IT" sz="1600" dirty="0" err="1">
+                <a:solidFill>
+                  <a:schemeClr val="tx1"/>
+                </a:solidFill>
+              </a:rPr>
+              <a:t>values</a:t>
+            </a:r>
+            <a:endParaRPr lang="it-IT" sz="1600" dirty="0">
+              <a:solidFill>
+                <a:schemeClr val="tx1"/>
+              </a:solidFill>
+            </a:endParaRPr>
+          </a:p>
+          <a:p>
+            <a:r>
+              <a:rPr lang="it-IT" sz="1600" dirty="0">
+                <a:solidFill>
+                  <a:schemeClr val="tx1"/>
+                </a:solidFill>
+              </a:rPr>
+              <a:t>         ADD movie to movies list</a:t>
+            </a:r>
+          </a:p>
+          <a:p>
+            <a:endParaRPr lang="it-IT" sz="1600" dirty="0">
+              <a:solidFill>
+                <a:schemeClr val="tx1"/>
+              </a:solidFill>
+            </a:endParaRPr>
+          </a:p>
+          <a:p>
+            <a:r>
+              <a:rPr lang="it-IT" sz="1600" dirty="0">
+                <a:solidFill>
+                  <a:schemeClr val="tx1"/>
+                </a:solidFill>
+              </a:rPr>
+              <a:t>RETURN movies</a:t>
+            </a:r>
           </a:p>
         </p:txBody>
       </p:sp>
